--- a/63 - Holy, Holy, Holy.pptx
+++ b/63 - Holy, Holy, Holy.pptx
@@ -5,10 +5,10 @@
     <p:sldMasterId id="2147483648" r:id="rId1"/>
   </p:sldMasterIdLst>
   <p:sldIdLst>
-    <p:sldId id="256" r:id="rId2"/>
-    <p:sldId id="257" r:id="rId3"/>
-    <p:sldId id="258" r:id="rId4"/>
-    <p:sldId id="259" r:id="rId5"/>
+    <p:sldId id="258" r:id="rId2"/>
+    <p:sldId id="261" r:id="rId3"/>
+    <p:sldId id="260" r:id="rId4"/>
+    <p:sldId id="262" r:id="rId5"/>
   </p:sldIdLst>
   <p:sldSz cx="12192000" cy="6858000"/>
   <p:notesSz cx="6858000" cy="9144000"/>
@@ -115,10 +115,6 @@
 </p:presentation>
 </file>
 
-<file path=ppt/revisionInfo.xml><?xml version="1.0" encoding="utf-8"?>
-<p1510:revInfo xmlns:a="http://schemas.openxmlformats.org/drawingml/2006/main" xmlns:r="http://schemas.openxmlformats.org/officeDocument/2006/relationships" xmlns:p1510="http://schemas.microsoft.com/office/powerpoint/2015/10/main"/>
-</file>
-
 <file path=ppt/slideLayouts/slideLayout1.xml><?xml version="1.0" encoding="utf-8"?>
 <p:sldLayout xmlns:a="http://schemas.openxmlformats.org/drawingml/2006/main" xmlns:r="http://schemas.openxmlformats.org/officeDocument/2006/relationships" xmlns:p="http://schemas.openxmlformats.org/presentationml/2006/main" type="title" preserve="1">
   <p:cSld name="Title Slide">
@@ -248,7 +244,7 @@
           <a:p>
             <a:fld id="{32F7251A-AE54-443C-B8FE-5F636E835EBF}" type="datetimeFigureOut">
               <a:rPr lang="en-US" smtClean="0"/>
-              <a:t>7/16/2017</a:t>
+              <a:t>2/16/2020</a:t>
             </a:fld>
             <a:endParaRPr lang="en-US"/>
           </a:p>
@@ -416,7 +412,7 @@
           <a:p>
             <a:fld id="{32F7251A-AE54-443C-B8FE-5F636E835EBF}" type="datetimeFigureOut">
               <a:rPr lang="en-US" smtClean="0"/>
-              <a:t>7/16/2017</a:t>
+              <a:t>2/16/2020</a:t>
             </a:fld>
             <a:endParaRPr lang="en-US"/>
           </a:p>
@@ -594,7 +590,7 @@
           <a:p>
             <a:fld id="{32F7251A-AE54-443C-B8FE-5F636E835EBF}" type="datetimeFigureOut">
               <a:rPr lang="en-US" smtClean="0"/>
-              <a:t>7/16/2017</a:t>
+              <a:t>2/16/2020</a:t>
             </a:fld>
             <a:endParaRPr lang="en-US"/>
           </a:p>
@@ -762,7 +758,7 @@
           <a:p>
             <a:fld id="{32F7251A-AE54-443C-B8FE-5F636E835EBF}" type="datetimeFigureOut">
               <a:rPr lang="en-US" smtClean="0"/>
-              <a:t>7/16/2017</a:t>
+              <a:t>2/16/2020</a:t>
             </a:fld>
             <a:endParaRPr lang="en-US"/>
           </a:p>
@@ -1007,7 +1003,7 @@
           <a:p>
             <a:fld id="{32F7251A-AE54-443C-B8FE-5F636E835EBF}" type="datetimeFigureOut">
               <a:rPr lang="en-US" smtClean="0"/>
-              <a:t>7/16/2017</a:t>
+              <a:t>2/16/2020</a:t>
             </a:fld>
             <a:endParaRPr lang="en-US"/>
           </a:p>
@@ -1236,7 +1232,7 @@
           <a:p>
             <a:fld id="{32F7251A-AE54-443C-B8FE-5F636E835EBF}" type="datetimeFigureOut">
               <a:rPr lang="en-US" smtClean="0"/>
-              <a:t>7/16/2017</a:t>
+              <a:t>2/16/2020</a:t>
             </a:fld>
             <a:endParaRPr lang="en-US"/>
           </a:p>
@@ -1600,7 +1596,7 @@
           <a:p>
             <a:fld id="{32F7251A-AE54-443C-B8FE-5F636E835EBF}" type="datetimeFigureOut">
               <a:rPr lang="en-US" smtClean="0"/>
-              <a:t>7/16/2017</a:t>
+              <a:t>2/16/2020</a:t>
             </a:fld>
             <a:endParaRPr lang="en-US"/>
           </a:p>
@@ -1717,7 +1713,7 @@
           <a:p>
             <a:fld id="{32F7251A-AE54-443C-B8FE-5F636E835EBF}" type="datetimeFigureOut">
               <a:rPr lang="en-US" smtClean="0"/>
-              <a:t>7/16/2017</a:t>
+              <a:t>2/16/2020</a:t>
             </a:fld>
             <a:endParaRPr lang="en-US"/>
           </a:p>
@@ -1812,7 +1808,7 @@
           <a:p>
             <a:fld id="{32F7251A-AE54-443C-B8FE-5F636E835EBF}" type="datetimeFigureOut">
               <a:rPr lang="en-US" smtClean="0"/>
-              <a:t>7/16/2017</a:t>
+              <a:t>2/16/2020</a:t>
             </a:fld>
             <a:endParaRPr lang="en-US"/>
           </a:p>
@@ -2087,7 +2083,7 @@
           <a:p>
             <a:fld id="{32F7251A-AE54-443C-B8FE-5F636E835EBF}" type="datetimeFigureOut">
               <a:rPr lang="en-US" smtClean="0"/>
-              <a:t>7/16/2017</a:t>
+              <a:t>2/16/2020</a:t>
             </a:fld>
             <a:endParaRPr lang="en-US"/>
           </a:p>
@@ -2339,7 +2335,7 @@
           <a:p>
             <a:fld id="{32F7251A-AE54-443C-B8FE-5F636E835EBF}" type="datetimeFigureOut">
               <a:rPr lang="en-US" smtClean="0"/>
-              <a:t>7/16/2017</a:t>
+              <a:t>2/16/2020</a:t>
             </a:fld>
             <a:endParaRPr lang="en-US"/>
           </a:p>
@@ -2406,7 +2402,9 @@
     <p:bg>
       <p:bgPr>
         <a:solidFill>
-          <a:srgbClr val="333333"/>
+          <a:schemeClr val="bg1">
+            <a:lumMod val="10000"/>
+          </a:schemeClr>
         </a:solidFill>
         <a:effectLst/>
       </p:bgPr>
@@ -2553,7 +2551,7 @@
           <a:p>
             <a:fld id="{32F7251A-AE54-443C-B8FE-5F636E835EBF}" type="datetimeFigureOut">
               <a:rPr lang="en-US" smtClean="0"/>
-              <a:t>7/16/2017</a:t>
+              <a:t>2/16/2020</a:t>
             </a:fld>
             <a:endParaRPr lang="en-US"/>
           </a:p>
@@ -3017,14 +3015,14 @@
       </p:sp>
       <p:sp>
         <p:nvSpPr>
-          <p:cNvPr id="7" name="TextBox 6"/>
+          <p:cNvPr id="8" name="TextBox 7"/>
           <p:cNvSpPr txBox="1"/>
           <p:nvPr/>
         </p:nvSpPr>
         <p:spPr>
           <a:xfrm>
-            <a:off x="0" y="5804209"/>
-            <a:ext cx="12192000" cy="830997"/>
+            <a:off x="0" y="726441"/>
+            <a:ext cx="12192000" cy="3970318"/>
           </a:xfrm>
           <a:prstGeom prst="rect">
             <a:avLst/>
@@ -3032,33 +3030,92 @@
           <a:noFill/>
         </p:spPr>
         <p:txBody>
-          <a:bodyPr wrap="square" rtlCol="0" anchor="ctr">
+          <a:bodyPr wrap="square" rtlCol="0">
             <a:spAutoFit/>
           </a:bodyPr>
-          <a:lstStyle/>
-          <a:p>
-            <a:pPr algn="ctr"/>
-            <a:r>
-              <a:rPr lang="en-US" sz="4800" dirty="0">
+          <a:lstStyle>
+            <a:defPPr>
+              <a:defRPr lang="en-US"/>
+            </a:defPPr>
+            <a:lvl1pPr algn="ctr">
+              <a:defRPr sz="2800" spc="50">
                 <a:solidFill>
                   <a:schemeClr val="bg1"/>
                 </a:solidFill>
-              </a:rPr>
-              <a:t>“Holy, Holy, Holy!”</a:t>
-            </a:r>
-          </a:p>
-        </p:txBody>
-      </p:sp>
-      <p:sp>
-        <p:nvSpPr>
-          <p:cNvPr id="8" name="TextBox 7"/>
+                <a:latin typeface="Assistant" panose="00000500000000000000" pitchFamily="2" charset="-79"/>
+                <a:cs typeface="Assistant" panose="00000500000000000000" pitchFamily="2" charset="-79"/>
+              </a:defRPr>
+            </a:lvl1pPr>
+          </a:lstStyle>
+          <a:p>
+            <a:r>
+              <a:rPr lang="en-US" dirty="0"/>
+              <a:t>Holy, holy, holy!</a:t>
+            </a:r>
+          </a:p>
+          <a:p>
+            <a:r>
+              <a:rPr lang="en-US" dirty="0"/>
+              <a:t>Lord God, Almighty!</a:t>
+            </a:r>
+          </a:p>
+          <a:p>
+            <a:r>
+              <a:rPr lang="en-US" dirty="0"/>
+              <a:t>Early in the morning</a:t>
+            </a:r>
+          </a:p>
+          <a:p>
+            <a:r>
+              <a:rPr lang="en-US" dirty="0"/>
+              <a:t>Our song shall rise to Thee;</a:t>
+            </a:r>
+          </a:p>
+          <a:p>
+            <a:endParaRPr lang="en-US" dirty="0"/>
+          </a:p>
+          <a:p>
+            <a:r>
+              <a:rPr lang="en-US" dirty="0"/>
+              <a:t>Holy, holy, holy,</a:t>
+            </a:r>
+          </a:p>
+          <a:p>
+            <a:r>
+              <a:rPr lang="en-US" dirty="0"/>
+              <a:t>Merciful and mighty!</a:t>
+            </a:r>
+          </a:p>
+          <a:p>
+            <a:r>
+              <a:rPr lang="en-US" dirty="0"/>
+              <a:t>God in Three Persons,</a:t>
+            </a:r>
+          </a:p>
+          <a:p>
+            <a:r>
+              <a:rPr lang="en-US" dirty="0"/>
+              <a:t>Blessed Trinity!</a:t>
+            </a:r>
+          </a:p>
+        </p:txBody>
+      </p:sp>
+      <p:sp>
+        <p:nvSpPr>
+          <p:cNvPr id="5" name="TextBox 4">
+            <a:extLst>
+              <a:ext uri="{FF2B5EF4-FFF2-40B4-BE49-F238E27FC236}">
+                <a16:creationId xmlns:a16="http://schemas.microsoft.com/office/drawing/2014/main" id="{80C1A130-0753-4DEF-83A8-64EEAD4BBBC8}"/>
+              </a:ext>
+            </a:extLst>
+          </p:cNvPr>
           <p:cNvSpPr txBox="1"/>
           <p:nvPr/>
         </p:nvSpPr>
         <p:spPr>
           <a:xfrm>
-            <a:off x="0" y="215807"/>
-            <a:ext cx="12192000" cy="5078313"/>
+            <a:off x="0" y="5927320"/>
+            <a:ext cx="12192000" cy="584775"/>
           </a:xfrm>
           <a:prstGeom prst="rect">
             <a:avLst/>
@@ -3066,104 +3123,27 @@
           <a:noFill/>
         </p:spPr>
         <p:txBody>
-          <a:bodyPr wrap="square" rtlCol="0">
+          <a:bodyPr wrap="square" rtlCol="0" anchor="ctr">
             <a:spAutoFit/>
           </a:bodyPr>
-          <a:lstStyle/>
-          <a:p>
-            <a:pPr algn="ctr"/>
-            <a:r>
-              <a:rPr lang="en-US" sz="3600" dirty="0">
+          <a:lstStyle>
+            <a:defPPr>
+              <a:defRPr lang="en-US"/>
+            </a:defPPr>
+            <a:lvl1pPr algn="ctr">
+              <a:defRPr sz="3200" u="sng">
                 <a:solidFill>
                   <a:schemeClr val="bg1"/>
                 </a:solidFill>
-              </a:rPr>
-              <a:t>Holy, holy, holy!</a:t>
-            </a:r>
-          </a:p>
-          <a:p>
-            <a:pPr algn="ctr"/>
-            <a:r>
-              <a:rPr lang="en-US" sz="3600" dirty="0">
-                <a:solidFill>
-                  <a:schemeClr val="bg1"/>
-                </a:solidFill>
-              </a:rPr>
-              <a:t>Lord God, Almighty!</a:t>
-            </a:r>
-          </a:p>
-          <a:p>
-            <a:pPr algn="ctr"/>
-            <a:r>
-              <a:rPr lang="en-US" sz="3600" dirty="0">
-                <a:solidFill>
-                  <a:schemeClr val="bg1"/>
-                </a:solidFill>
-              </a:rPr>
-              <a:t>Early in the morning</a:t>
-            </a:r>
-          </a:p>
-          <a:p>
-            <a:pPr algn="ctr"/>
-            <a:r>
-              <a:rPr lang="en-US" sz="3600" dirty="0">
-                <a:solidFill>
-                  <a:schemeClr val="bg1"/>
-                </a:solidFill>
-              </a:rPr>
-              <a:t>Our song shall rise to Thee;</a:t>
-            </a:r>
-          </a:p>
-          <a:p>
-            <a:pPr algn="ctr"/>
-            <a:endParaRPr lang="en-US" sz="3600" dirty="0">
-              <a:solidFill>
-                <a:schemeClr val="bg1"/>
-              </a:solidFill>
-            </a:endParaRPr>
-          </a:p>
-          <a:p>
-            <a:pPr algn="ctr"/>
-            <a:r>
-              <a:rPr lang="en-US" sz="3600" dirty="0">
-                <a:solidFill>
-                  <a:schemeClr val="bg1"/>
-                </a:solidFill>
-              </a:rPr>
-              <a:t>Holy, holy, holy,</a:t>
-            </a:r>
-          </a:p>
-          <a:p>
-            <a:pPr algn="ctr"/>
-            <a:r>
-              <a:rPr lang="en-US" sz="3600" dirty="0">
-                <a:solidFill>
-                  <a:schemeClr val="bg1"/>
-                </a:solidFill>
-              </a:rPr>
-              <a:t>Merciful and mighty!</a:t>
-            </a:r>
-          </a:p>
-          <a:p>
-            <a:pPr algn="ctr"/>
-            <a:r>
-              <a:rPr lang="en-US" sz="3600" dirty="0">
-                <a:solidFill>
-                  <a:schemeClr val="bg1"/>
-                </a:solidFill>
-              </a:rPr>
-              <a:t>God in Three Persons,</a:t>
-            </a:r>
-          </a:p>
-          <a:p>
-            <a:pPr algn="ctr"/>
-            <a:r>
-              <a:rPr lang="en-US" sz="3600" dirty="0">
-                <a:solidFill>
-                  <a:schemeClr val="bg1"/>
-                </a:solidFill>
-              </a:rPr>
-              <a:t>Blessed Trinity!</a:t>
+                <a:latin typeface="Assistant SemiBold" panose="00000700000000000000" pitchFamily="2" charset="-79"/>
+                <a:cs typeface="Assistant SemiBold" panose="00000700000000000000" pitchFamily="2" charset="-79"/>
+              </a:defRPr>
+            </a:lvl1pPr>
+          </a:lstStyle>
+          <a:p>
+            <a:r>
+              <a:rPr lang="en-US" dirty="0"/>
+              <a:t>“Holy, Holy, Holy!”</a:t>
             </a:r>
           </a:p>
         </p:txBody>
@@ -3171,7 +3151,7 @@
     </p:spTree>
     <p:extLst>
       <p:ext uri="{BB962C8B-B14F-4D97-AF65-F5344CB8AC3E}">
-        <p14:creationId xmlns:p14="http://schemas.microsoft.com/office/powerpoint/2010/main" val="2640067171"/>
+        <p14:creationId xmlns:p14="http://schemas.microsoft.com/office/powerpoint/2010/main" val="338807347"/>
       </p:ext>
     </p:extLst>
   </p:cSld>
@@ -3257,14 +3237,14 @@
       </p:sp>
       <p:sp>
         <p:nvSpPr>
-          <p:cNvPr id="7" name="TextBox 6"/>
+          <p:cNvPr id="8" name="TextBox 7"/>
           <p:cNvSpPr txBox="1"/>
           <p:nvPr/>
         </p:nvSpPr>
         <p:spPr>
           <a:xfrm>
-            <a:off x="0" y="5804209"/>
-            <a:ext cx="12192000" cy="830997"/>
+            <a:off x="0" y="726441"/>
+            <a:ext cx="12192000" cy="3970318"/>
           </a:xfrm>
           <a:prstGeom prst="rect">
             <a:avLst/>
@@ -3272,33 +3252,92 @@
           <a:noFill/>
         </p:spPr>
         <p:txBody>
-          <a:bodyPr wrap="square" rtlCol="0" anchor="ctr">
+          <a:bodyPr wrap="square" rtlCol="0">
             <a:spAutoFit/>
           </a:bodyPr>
-          <a:lstStyle/>
-          <a:p>
-            <a:pPr algn="ctr"/>
-            <a:r>
-              <a:rPr lang="en-US" sz="4800" dirty="0">
+          <a:lstStyle>
+            <a:defPPr>
+              <a:defRPr lang="en-US"/>
+            </a:defPPr>
+            <a:lvl1pPr algn="ctr">
+              <a:defRPr sz="2800" spc="50">
                 <a:solidFill>
                   <a:schemeClr val="bg1"/>
                 </a:solidFill>
-              </a:rPr>
-              <a:t>“Holy, Holy, Holy!”</a:t>
-            </a:r>
-          </a:p>
-        </p:txBody>
-      </p:sp>
-      <p:sp>
-        <p:nvSpPr>
-          <p:cNvPr id="8" name="TextBox 7"/>
+                <a:latin typeface="Assistant" panose="00000500000000000000" pitchFamily="2" charset="-79"/>
+                <a:cs typeface="Assistant" panose="00000500000000000000" pitchFamily="2" charset="-79"/>
+              </a:defRPr>
+            </a:lvl1pPr>
+          </a:lstStyle>
+          <a:p>
+            <a:r>
+              <a:rPr lang="en-US" dirty="0"/>
+              <a:t>Holy, holy, holy!</a:t>
+            </a:r>
+          </a:p>
+          <a:p>
+            <a:r>
+              <a:rPr lang="en-US" dirty="0"/>
+              <a:t>All the saints adore Thee,</a:t>
+            </a:r>
+          </a:p>
+          <a:p>
+            <a:r>
+              <a:rPr lang="en-US" dirty="0"/>
+              <a:t>Casting down their golden crowns</a:t>
+            </a:r>
+          </a:p>
+          <a:p>
+            <a:r>
+              <a:rPr lang="en-US" dirty="0"/>
+              <a:t>Around the glassy sea;</a:t>
+            </a:r>
+          </a:p>
+          <a:p>
+            <a:endParaRPr lang="en-US" dirty="0"/>
+          </a:p>
+          <a:p>
+            <a:r>
+              <a:rPr lang="en-US" dirty="0"/>
+              <a:t>Cherubim and seraphim</a:t>
+            </a:r>
+          </a:p>
+          <a:p>
+            <a:r>
+              <a:rPr lang="en-US" dirty="0"/>
+              <a:t>Falling down before Thee,</a:t>
+            </a:r>
+          </a:p>
+          <a:p>
+            <a:r>
+              <a:rPr lang="en-US" dirty="0"/>
+              <a:t>Which wert and art and</a:t>
+            </a:r>
+          </a:p>
+          <a:p>
+            <a:r>
+              <a:rPr lang="en-US" dirty="0"/>
+              <a:t>evermore shalt be.</a:t>
+            </a:r>
+          </a:p>
+        </p:txBody>
+      </p:sp>
+      <p:sp>
+        <p:nvSpPr>
+          <p:cNvPr id="5" name="TextBox 4">
+            <a:extLst>
+              <a:ext uri="{FF2B5EF4-FFF2-40B4-BE49-F238E27FC236}">
+                <a16:creationId xmlns:a16="http://schemas.microsoft.com/office/drawing/2014/main" id="{80C1A130-0753-4DEF-83A8-64EEAD4BBBC8}"/>
+              </a:ext>
+            </a:extLst>
+          </p:cNvPr>
           <p:cNvSpPr txBox="1"/>
           <p:nvPr/>
         </p:nvSpPr>
         <p:spPr>
           <a:xfrm>
-            <a:off x="0" y="215807"/>
-            <a:ext cx="12192000" cy="5078313"/>
+            <a:off x="0" y="5927320"/>
+            <a:ext cx="12192000" cy="584775"/>
           </a:xfrm>
           <a:prstGeom prst="rect">
             <a:avLst/>
@@ -3306,104 +3345,27 @@
           <a:noFill/>
         </p:spPr>
         <p:txBody>
-          <a:bodyPr wrap="square" rtlCol="0">
+          <a:bodyPr wrap="square" rtlCol="0" anchor="ctr">
             <a:spAutoFit/>
           </a:bodyPr>
-          <a:lstStyle/>
-          <a:p>
-            <a:pPr algn="ctr"/>
-            <a:r>
-              <a:rPr lang="en-US" sz="3600" dirty="0">
+          <a:lstStyle>
+            <a:defPPr>
+              <a:defRPr lang="en-US"/>
+            </a:defPPr>
+            <a:lvl1pPr algn="ctr">
+              <a:defRPr sz="3200" u="sng">
                 <a:solidFill>
                   <a:schemeClr val="bg1"/>
                 </a:solidFill>
-              </a:rPr>
-              <a:t>Holy, holy, holy!</a:t>
-            </a:r>
-          </a:p>
-          <a:p>
-            <a:pPr algn="ctr"/>
-            <a:r>
-              <a:rPr lang="en-US" sz="3600" dirty="0">
-                <a:solidFill>
-                  <a:schemeClr val="bg1"/>
-                </a:solidFill>
-              </a:rPr>
-              <a:t>All the saints adore Thee,</a:t>
-            </a:r>
-          </a:p>
-          <a:p>
-            <a:pPr algn="ctr"/>
-            <a:r>
-              <a:rPr lang="en-US" sz="3600" dirty="0">
-                <a:solidFill>
-                  <a:schemeClr val="bg1"/>
-                </a:solidFill>
-              </a:rPr>
-              <a:t>Casting down their golden crowns</a:t>
-            </a:r>
-          </a:p>
-          <a:p>
-            <a:pPr algn="ctr"/>
-            <a:r>
-              <a:rPr lang="en-US" sz="3600" dirty="0">
-                <a:solidFill>
-                  <a:schemeClr val="bg1"/>
-                </a:solidFill>
-              </a:rPr>
-              <a:t>Around the glassy sea;</a:t>
-            </a:r>
-          </a:p>
-          <a:p>
-            <a:pPr algn="ctr"/>
-            <a:endParaRPr lang="en-US" sz="3600" dirty="0">
-              <a:solidFill>
-                <a:schemeClr val="bg1"/>
-              </a:solidFill>
-            </a:endParaRPr>
-          </a:p>
-          <a:p>
-            <a:pPr algn="ctr"/>
-            <a:r>
-              <a:rPr lang="en-US" sz="3600" dirty="0">
-                <a:solidFill>
-                  <a:schemeClr val="bg1"/>
-                </a:solidFill>
-              </a:rPr>
-              <a:t>Cherubim and seraphim</a:t>
-            </a:r>
-          </a:p>
-          <a:p>
-            <a:pPr algn="ctr"/>
-            <a:r>
-              <a:rPr lang="en-US" sz="3600" dirty="0">
-                <a:solidFill>
-                  <a:schemeClr val="bg1"/>
-                </a:solidFill>
-              </a:rPr>
-              <a:t>Falling down before Thee,</a:t>
-            </a:r>
-          </a:p>
-          <a:p>
-            <a:pPr algn="ctr"/>
-            <a:r>
-              <a:rPr lang="en-US" sz="3600" dirty="0">
-                <a:solidFill>
-                  <a:schemeClr val="bg1"/>
-                </a:solidFill>
-              </a:rPr>
-              <a:t>Which wert and art and</a:t>
-            </a:r>
-          </a:p>
-          <a:p>
-            <a:pPr algn="ctr"/>
-            <a:r>
-              <a:rPr lang="en-US" sz="3600" dirty="0">
-                <a:solidFill>
-                  <a:schemeClr val="bg1"/>
-                </a:solidFill>
-              </a:rPr>
-              <a:t>evermore shalt be.</a:t>
+                <a:latin typeface="Assistant SemiBold" panose="00000700000000000000" pitchFamily="2" charset="-79"/>
+                <a:cs typeface="Assistant SemiBold" panose="00000700000000000000" pitchFamily="2" charset="-79"/>
+              </a:defRPr>
+            </a:lvl1pPr>
+          </a:lstStyle>
+          <a:p>
+            <a:r>
+              <a:rPr lang="en-US" dirty="0"/>
+              <a:t>“Holy, Holy, Holy!”</a:t>
             </a:r>
           </a:p>
         </p:txBody>
@@ -3411,7 +3373,7 @@
     </p:spTree>
     <p:extLst>
       <p:ext uri="{BB962C8B-B14F-4D97-AF65-F5344CB8AC3E}">
-        <p14:creationId xmlns:p14="http://schemas.microsoft.com/office/powerpoint/2010/main" val="4108358452"/>
+        <p14:creationId xmlns:p14="http://schemas.microsoft.com/office/powerpoint/2010/main" val="3209440960"/>
       </p:ext>
     </p:extLst>
   </p:cSld>
@@ -3497,14 +3459,14 @@
       </p:sp>
       <p:sp>
         <p:nvSpPr>
-          <p:cNvPr id="7" name="TextBox 6"/>
+          <p:cNvPr id="8" name="TextBox 7"/>
           <p:cNvSpPr txBox="1"/>
           <p:nvPr/>
         </p:nvSpPr>
         <p:spPr>
           <a:xfrm>
-            <a:off x="0" y="5804209"/>
-            <a:ext cx="12192000" cy="830997"/>
+            <a:off x="0" y="726441"/>
+            <a:ext cx="12192000" cy="4093428"/>
           </a:xfrm>
           <a:prstGeom prst="rect">
             <a:avLst/>
@@ -3512,33 +3474,92 @@
           <a:noFill/>
         </p:spPr>
         <p:txBody>
-          <a:bodyPr wrap="square" rtlCol="0" anchor="ctr">
+          <a:bodyPr wrap="square" rtlCol="0">
             <a:spAutoFit/>
           </a:bodyPr>
-          <a:lstStyle/>
-          <a:p>
-            <a:pPr algn="ctr"/>
-            <a:r>
-              <a:rPr lang="en-US" sz="4800" dirty="0">
+          <a:lstStyle>
+            <a:defPPr>
+              <a:defRPr lang="en-US"/>
+            </a:defPPr>
+            <a:lvl1pPr algn="ctr">
+              <a:defRPr sz="2800" spc="50">
                 <a:solidFill>
                   <a:schemeClr val="bg1"/>
                 </a:solidFill>
-              </a:rPr>
-              <a:t>“Holy, Holy, Holy!”</a:t>
-            </a:r>
-          </a:p>
-        </p:txBody>
-      </p:sp>
-      <p:sp>
-        <p:nvSpPr>
-          <p:cNvPr id="8" name="TextBox 7"/>
+                <a:latin typeface="Assistant" panose="00000500000000000000" pitchFamily="2" charset="-79"/>
+                <a:cs typeface="Assistant" panose="00000500000000000000" pitchFamily="2" charset="-79"/>
+              </a:defRPr>
+            </a:lvl1pPr>
+          </a:lstStyle>
+          <a:p>
+            <a:r>
+              <a:rPr lang="en-US" dirty="0"/>
+              <a:t>Holy, holy, holy!</a:t>
+            </a:r>
+          </a:p>
+          <a:p>
+            <a:r>
+              <a:rPr lang="en-US" dirty="0"/>
+              <a:t>Though darkness hide Thee,</a:t>
+            </a:r>
+          </a:p>
+          <a:p>
+            <a:r>
+              <a:rPr lang="en-US" dirty="0"/>
+              <a:t>Though the eye of sinful man</a:t>
+            </a:r>
+          </a:p>
+          <a:p>
+            <a:r>
+              <a:rPr lang="en-US" dirty="0"/>
+              <a:t>Thy glory may not see,</a:t>
+            </a:r>
+          </a:p>
+          <a:p>
+            <a:endParaRPr lang="en-US" dirty="0"/>
+          </a:p>
+          <a:p>
+            <a:r>
+              <a:rPr lang="en-US" dirty="0"/>
+              <a:t>Only Thou are holy;</a:t>
+            </a:r>
+          </a:p>
+          <a:p>
+            <a:r>
+              <a:rPr lang="en-US" dirty="0"/>
+              <a:t>There is none beside Thee,</a:t>
+            </a:r>
+          </a:p>
+          <a:p>
+            <a:r>
+              <a:rPr lang="en-US" dirty="0"/>
+              <a:t>Perfect in power,</a:t>
+            </a:r>
+          </a:p>
+          <a:p>
+            <a:r>
+              <a:rPr lang="en-US" dirty="0"/>
+              <a:t>in love, and purity.</a:t>
+            </a:r>
+          </a:p>
+        </p:txBody>
+      </p:sp>
+      <p:sp>
+        <p:nvSpPr>
+          <p:cNvPr id="5" name="TextBox 4">
+            <a:extLst>
+              <a:ext uri="{FF2B5EF4-FFF2-40B4-BE49-F238E27FC236}">
+                <a16:creationId xmlns:a16="http://schemas.microsoft.com/office/drawing/2014/main" id="{80C1A130-0753-4DEF-83A8-64EEAD4BBBC8}"/>
+              </a:ext>
+            </a:extLst>
+          </p:cNvPr>
           <p:cNvSpPr txBox="1"/>
           <p:nvPr/>
         </p:nvSpPr>
         <p:spPr>
           <a:xfrm>
-            <a:off x="0" y="215807"/>
-            <a:ext cx="12192000" cy="5078313"/>
+            <a:off x="0" y="5927320"/>
+            <a:ext cx="12192000" cy="584775"/>
           </a:xfrm>
           <a:prstGeom prst="rect">
             <a:avLst/>
@@ -3546,104 +3567,27 @@
           <a:noFill/>
         </p:spPr>
         <p:txBody>
-          <a:bodyPr wrap="square" rtlCol="0">
+          <a:bodyPr wrap="square" rtlCol="0" anchor="ctr">
             <a:spAutoFit/>
           </a:bodyPr>
-          <a:lstStyle/>
-          <a:p>
-            <a:pPr algn="ctr"/>
-            <a:r>
-              <a:rPr lang="en-US" sz="3600" dirty="0">
+          <a:lstStyle>
+            <a:defPPr>
+              <a:defRPr lang="en-US"/>
+            </a:defPPr>
+            <a:lvl1pPr algn="ctr">
+              <a:defRPr sz="3200" u="sng">
                 <a:solidFill>
                   <a:schemeClr val="bg1"/>
                 </a:solidFill>
-              </a:rPr>
-              <a:t>Holy, holy, holy!</a:t>
-            </a:r>
-          </a:p>
-          <a:p>
-            <a:pPr algn="ctr"/>
-            <a:r>
-              <a:rPr lang="en-US" sz="3600" dirty="0">
-                <a:solidFill>
-                  <a:schemeClr val="bg1"/>
-                </a:solidFill>
-              </a:rPr>
-              <a:t>Though darkness hide Thee,</a:t>
-            </a:r>
-          </a:p>
-          <a:p>
-            <a:pPr algn="ctr"/>
-            <a:r>
-              <a:rPr lang="en-US" sz="3600" dirty="0">
-                <a:solidFill>
-                  <a:schemeClr val="bg1"/>
-                </a:solidFill>
-              </a:rPr>
-              <a:t>Though the eye of sinful man</a:t>
-            </a:r>
-          </a:p>
-          <a:p>
-            <a:pPr algn="ctr"/>
-            <a:r>
-              <a:rPr lang="en-US" sz="3600" dirty="0">
-                <a:solidFill>
-                  <a:schemeClr val="bg1"/>
-                </a:solidFill>
-              </a:rPr>
-              <a:t>Thy glory may not see,</a:t>
-            </a:r>
-          </a:p>
-          <a:p>
-            <a:pPr algn="ctr"/>
-            <a:endParaRPr lang="en-US" sz="3600" dirty="0">
-              <a:solidFill>
-                <a:schemeClr val="bg1"/>
-              </a:solidFill>
-            </a:endParaRPr>
-          </a:p>
-          <a:p>
-            <a:pPr algn="ctr"/>
-            <a:r>
-              <a:rPr lang="en-US" sz="3600" dirty="0">
-                <a:solidFill>
-                  <a:schemeClr val="bg1"/>
-                </a:solidFill>
-              </a:rPr>
-              <a:t>Only Thou are holy;</a:t>
-            </a:r>
-          </a:p>
-          <a:p>
-            <a:pPr algn="ctr"/>
-            <a:r>
-              <a:rPr lang="en-US" sz="3600" dirty="0">
-                <a:solidFill>
-                  <a:schemeClr val="bg1"/>
-                </a:solidFill>
-              </a:rPr>
-              <a:t>There is none beside Thee,</a:t>
-            </a:r>
-          </a:p>
-          <a:p>
-            <a:pPr algn="ctr"/>
-            <a:r>
-              <a:rPr lang="en-US" sz="3600" dirty="0">
-                <a:solidFill>
-                  <a:schemeClr val="bg1"/>
-                </a:solidFill>
-              </a:rPr>
-              <a:t>Perfect in power,</a:t>
-            </a:r>
-          </a:p>
-          <a:p>
-            <a:pPr algn="ctr"/>
-            <a:r>
-              <a:rPr lang="en-US" sz="3600" dirty="0">
-                <a:solidFill>
-                  <a:schemeClr val="bg1"/>
-                </a:solidFill>
-              </a:rPr>
-              <a:t>in love, and purity.</a:t>
+                <a:latin typeface="Assistant SemiBold" panose="00000700000000000000" pitchFamily="2" charset="-79"/>
+                <a:cs typeface="Assistant SemiBold" panose="00000700000000000000" pitchFamily="2" charset="-79"/>
+              </a:defRPr>
+            </a:lvl1pPr>
+          </a:lstStyle>
+          <a:p>
+            <a:r>
+              <a:rPr lang="en-US" dirty="0"/>
+              <a:t>“Holy, Holy, Holy!”</a:t>
             </a:r>
           </a:p>
         </p:txBody>
@@ -3651,7 +3595,7 @@
     </p:spTree>
     <p:extLst>
       <p:ext uri="{BB962C8B-B14F-4D97-AF65-F5344CB8AC3E}">
-        <p14:creationId xmlns:p14="http://schemas.microsoft.com/office/powerpoint/2010/main" val="338807347"/>
+        <p14:creationId xmlns:p14="http://schemas.microsoft.com/office/powerpoint/2010/main" val="1041667455"/>
       </p:ext>
     </p:extLst>
   </p:cSld>
@@ -3737,14 +3681,14 @@
       </p:sp>
       <p:sp>
         <p:nvSpPr>
-          <p:cNvPr id="7" name="TextBox 6"/>
+          <p:cNvPr id="8" name="TextBox 7"/>
           <p:cNvSpPr txBox="1"/>
           <p:nvPr/>
         </p:nvSpPr>
         <p:spPr>
           <a:xfrm>
-            <a:off x="0" y="5804209"/>
-            <a:ext cx="12192000" cy="830997"/>
+            <a:off x="0" y="726441"/>
+            <a:ext cx="12192000" cy="4093428"/>
           </a:xfrm>
           <a:prstGeom prst="rect">
             <a:avLst/>
@@ -3752,33 +3696,92 @@
           <a:noFill/>
         </p:spPr>
         <p:txBody>
-          <a:bodyPr wrap="square" rtlCol="0" anchor="ctr">
+          <a:bodyPr wrap="square" rtlCol="0">
             <a:spAutoFit/>
           </a:bodyPr>
-          <a:lstStyle/>
-          <a:p>
-            <a:pPr algn="ctr"/>
-            <a:r>
-              <a:rPr lang="en-US" sz="4800" dirty="0">
+          <a:lstStyle>
+            <a:defPPr>
+              <a:defRPr lang="en-US"/>
+            </a:defPPr>
+            <a:lvl1pPr algn="ctr">
+              <a:defRPr sz="2800" spc="50">
                 <a:solidFill>
                   <a:schemeClr val="bg1"/>
                 </a:solidFill>
-              </a:rPr>
-              <a:t>“Holy, Holy, Holy!”</a:t>
-            </a:r>
-          </a:p>
-        </p:txBody>
-      </p:sp>
-      <p:sp>
-        <p:nvSpPr>
-          <p:cNvPr id="8" name="TextBox 7"/>
+                <a:latin typeface="Assistant" panose="00000500000000000000" pitchFamily="2" charset="-79"/>
+                <a:cs typeface="Assistant" panose="00000500000000000000" pitchFamily="2" charset="-79"/>
+              </a:defRPr>
+            </a:lvl1pPr>
+          </a:lstStyle>
+          <a:p>
+            <a:r>
+              <a:rPr lang="en-US" dirty="0"/>
+              <a:t>Holy, holy, holy!</a:t>
+            </a:r>
+          </a:p>
+          <a:p>
+            <a:r>
+              <a:rPr lang="en-US" dirty="0"/>
+              <a:t>Lord God Almighty!</a:t>
+            </a:r>
+          </a:p>
+          <a:p>
+            <a:r>
+              <a:rPr lang="en-US" dirty="0"/>
+              <a:t>All Thy works shall praise Thy name</a:t>
+            </a:r>
+          </a:p>
+          <a:p>
+            <a:r>
+              <a:rPr lang="en-US" dirty="0"/>
+              <a:t>in earth and sky and sea;</a:t>
+            </a:r>
+          </a:p>
+          <a:p>
+            <a:endParaRPr lang="en-US" dirty="0"/>
+          </a:p>
+          <a:p>
+            <a:r>
+              <a:rPr lang="en-US" dirty="0"/>
+              <a:t>Holy, holy, holy,</a:t>
+            </a:r>
+          </a:p>
+          <a:p>
+            <a:r>
+              <a:rPr lang="en-US" dirty="0"/>
+              <a:t>merciful and mighty!</a:t>
+            </a:r>
+          </a:p>
+          <a:p>
+            <a:r>
+              <a:rPr lang="en-US" dirty="0"/>
+              <a:t>God in Three Persons, </a:t>
+            </a:r>
+          </a:p>
+          <a:p>
+            <a:r>
+              <a:rPr lang="en-US" dirty="0"/>
+              <a:t>Blessed Trinity!</a:t>
+            </a:r>
+          </a:p>
+        </p:txBody>
+      </p:sp>
+      <p:sp>
+        <p:nvSpPr>
+          <p:cNvPr id="5" name="TextBox 4">
+            <a:extLst>
+              <a:ext uri="{FF2B5EF4-FFF2-40B4-BE49-F238E27FC236}">
+                <a16:creationId xmlns:a16="http://schemas.microsoft.com/office/drawing/2014/main" id="{80C1A130-0753-4DEF-83A8-64EEAD4BBBC8}"/>
+              </a:ext>
+            </a:extLst>
+          </p:cNvPr>
           <p:cNvSpPr txBox="1"/>
           <p:nvPr/>
         </p:nvSpPr>
         <p:spPr>
           <a:xfrm>
-            <a:off x="0" y="215807"/>
-            <a:ext cx="12192000" cy="5078313"/>
+            <a:off x="0" y="5927320"/>
+            <a:ext cx="12192000" cy="584775"/>
           </a:xfrm>
           <a:prstGeom prst="rect">
             <a:avLst/>
@@ -3786,104 +3789,27 @@
           <a:noFill/>
         </p:spPr>
         <p:txBody>
-          <a:bodyPr wrap="square" rtlCol="0">
+          <a:bodyPr wrap="square" rtlCol="0" anchor="ctr">
             <a:spAutoFit/>
           </a:bodyPr>
-          <a:lstStyle/>
-          <a:p>
-            <a:pPr algn="ctr"/>
-            <a:r>
-              <a:rPr lang="en-US" sz="3600" dirty="0">
+          <a:lstStyle>
+            <a:defPPr>
+              <a:defRPr lang="en-US"/>
+            </a:defPPr>
+            <a:lvl1pPr algn="ctr">
+              <a:defRPr sz="3200" u="sng">
                 <a:solidFill>
                   <a:schemeClr val="bg1"/>
                 </a:solidFill>
-              </a:rPr>
-              <a:t>Holy, holy, holy!</a:t>
-            </a:r>
-          </a:p>
-          <a:p>
-            <a:pPr algn="ctr"/>
-            <a:r>
-              <a:rPr lang="en-US" sz="3600" dirty="0">
-                <a:solidFill>
-                  <a:schemeClr val="bg1"/>
-                </a:solidFill>
-              </a:rPr>
-              <a:t>Lord God Almighty!</a:t>
-            </a:r>
-          </a:p>
-          <a:p>
-            <a:pPr algn="ctr"/>
-            <a:r>
-              <a:rPr lang="en-US" sz="3600" dirty="0">
-                <a:solidFill>
-                  <a:schemeClr val="bg1"/>
-                </a:solidFill>
-              </a:rPr>
-              <a:t>All Thy works shall praise Thy name</a:t>
-            </a:r>
-          </a:p>
-          <a:p>
-            <a:pPr algn="ctr"/>
-            <a:r>
-              <a:rPr lang="en-US" sz="3600" dirty="0">
-                <a:solidFill>
-                  <a:schemeClr val="bg1"/>
-                </a:solidFill>
-              </a:rPr>
-              <a:t>in earth and sky and sea;</a:t>
-            </a:r>
-          </a:p>
-          <a:p>
-            <a:pPr algn="ctr"/>
-            <a:endParaRPr lang="en-US" sz="3600" dirty="0">
-              <a:solidFill>
-                <a:schemeClr val="bg1"/>
-              </a:solidFill>
-            </a:endParaRPr>
-          </a:p>
-          <a:p>
-            <a:pPr algn="ctr"/>
-            <a:r>
-              <a:rPr lang="en-US" sz="3600" dirty="0">
-                <a:solidFill>
-                  <a:schemeClr val="bg1"/>
-                </a:solidFill>
-              </a:rPr>
-              <a:t>Holy, holy, holy,</a:t>
-            </a:r>
-          </a:p>
-          <a:p>
-            <a:pPr algn="ctr"/>
-            <a:r>
-              <a:rPr lang="en-US" sz="3600" dirty="0">
-                <a:solidFill>
-                  <a:schemeClr val="bg1"/>
-                </a:solidFill>
-              </a:rPr>
-              <a:t>merciful and mighty!</a:t>
-            </a:r>
-          </a:p>
-          <a:p>
-            <a:pPr algn="ctr"/>
-            <a:r>
-              <a:rPr lang="en-US" sz="3600" dirty="0">
-                <a:solidFill>
-                  <a:schemeClr val="bg1"/>
-                </a:solidFill>
-              </a:rPr>
-              <a:t>God in Three Persons, </a:t>
-            </a:r>
-          </a:p>
-          <a:p>
-            <a:pPr algn="ctr"/>
-            <a:r>
-              <a:rPr lang="en-US" sz="3600" dirty="0">
-                <a:solidFill>
-                  <a:schemeClr val="bg1"/>
-                </a:solidFill>
-              </a:rPr>
-              <a:t>Blessed Trinity!</a:t>
+                <a:latin typeface="Assistant SemiBold" panose="00000700000000000000" pitchFamily="2" charset="-79"/>
+                <a:cs typeface="Assistant SemiBold" panose="00000700000000000000" pitchFamily="2" charset="-79"/>
+              </a:defRPr>
+            </a:lvl1pPr>
+          </a:lstStyle>
+          <a:p>
+            <a:r>
+              <a:rPr lang="en-US" dirty="0"/>
+              <a:t>“Holy, Holy, Holy!”</a:t>
             </a:r>
           </a:p>
         </p:txBody>
@@ -3891,7 +3817,7 @@
     </p:spTree>
     <p:extLst>
       <p:ext uri="{BB962C8B-B14F-4D97-AF65-F5344CB8AC3E}">
-        <p14:creationId xmlns:p14="http://schemas.microsoft.com/office/powerpoint/2010/main" val="4143414821"/>
+        <p14:creationId xmlns:p14="http://schemas.microsoft.com/office/powerpoint/2010/main" val="1808507440"/>
       </p:ext>
     </p:extLst>
   </p:cSld>
